--- a/PPT.pptx
+++ b/PPT.pptx
@@ -104,6 +104,11 @@
       </a:defRPr>
     </a:lvl9pPr>
   </p:defaultTextStyle>
+  <p:extLst>
+    <p:ext uri="{EFAFB233-063F-42B5-8137-9DF3F51BA10A}">
+      <p15:sldGuideLst xmlns:p15="http://schemas.microsoft.com/office/powerpoint/2012/main"/>
+    </p:ext>
+  </p:extLst>
 </p:presentation>
 </file>
 
@@ -254,7 +259,7 @@
           <a:p>
             <a:fld id="{23D3FCB9-08D8-4860-B73D-8AF7AE2A1973}" type="datetimeFigureOut">
               <a:rPr lang="hu-HU" smtClean="0"/>
-              <a:t>2023.04.12</a:t>
+              <a:t>2023.04.26</a:t>
             </a:fld>
             <a:endParaRPr lang="hu-HU"/>
           </a:p>
@@ -452,7 +457,7 @@
           <a:p>
             <a:fld id="{23D3FCB9-08D8-4860-B73D-8AF7AE2A1973}" type="datetimeFigureOut">
               <a:rPr lang="hu-HU" smtClean="0"/>
-              <a:t>2023.04.12</a:t>
+              <a:t>2023.04.26</a:t>
             </a:fld>
             <a:endParaRPr lang="hu-HU"/>
           </a:p>
@@ -660,7 +665,7 @@
           <a:p>
             <a:fld id="{23D3FCB9-08D8-4860-B73D-8AF7AE2A1973}" type="datetimeFigureOut">
               <a:rPr lang="hu-HU" smtClean="0"/>
-              <a:t>2023.04.12</a:t>
+              <a:t>2023.04.26</a:t>
             </a:fld>
             <a:endParaRPr lang="hu-HU"/>
           </a:p>
@@ -858,7 +863,7 @@
           <a:p>
             <a:fld id="{23D3FCB9-08D8-4860-B73D-8AF7AE2A1973}" type="datetimeFigureOut">
               <a:rPr lang="hu-HU" smtClean="0"/>
-              <a:t>2023.04.12</a:t>
+              <a:t>2023.04.26</a:t>
             </a:fld>
             <a:endParaRPr lang="hu-HU"/>
           </a:p>
@@ -1133,7 +1138,7 @@
           <a:p>
             <a:fld id="{23D3FCB9-08D8-4860-B73D-8AF7AE2A1973}" type="datetimeFigureOut">
               <a:rPr lang="hu-HU" smtClean="0"/>
-              <a:t>2023.04.12</a:t>
+              <a:t>2023.04.26</a:t>
             </a:fld>
             <a:endParaRPr lang="hu-HU"/>
           </a:p>
@@ -1398,7 +1403,7 @@
           <a:p>
             <a:fld id="{23D3FCB9-08D8-4860-B73D-8AF7AE2A1973}" type="datetimeFigureOut">
               <a:rPr lang="hu-HU" smtClean="0"/>
-              <a:t>2023.04.12</a:t>
+              <a:t>2023.04.26</a:t>
             </a:fld>
             <a:endParaRPr lang="hu-HU"/>
           </a:p>
@@ -1810,7 +1815,7 @@
           <a:p>
             <a:fld id="{23D3FCB9-08D8-4860-B73D-8AF7AE2A1973}" type="datetimeFigureOut">
               <a:rPr lang="hu-HU" smtClean="0"/>
-              <a:t>2023.04.12</a:t>
+              <a:t>2023.04.26</a:t>
             </a:fld>
             <a:endParaRPr lang="hu-HU"/>
           </a:p>
@@ -1951,7 +1956,7 @@
           <a:p>
             <a:fld id="{23D3FCB9-08D8-4860-B73D-8AF7AE2A1973}" type="datetimeFigureOut">
               <a:rPr lang="hu-HU" smtClean="0"/>
-              <a:t>2023.04.12</a:t>
+              <a:t>2023.04.26</a:t>
             </a:fld>
             <a:endParaRPr lang="hu-HU"/>
           </a:p>
@@ -2064,7 +2069,7 @@
           <a:p>
             <a:fld id="{23D3FCB9-08D8-4860-B73D-8AF7AE2A1973}" type="datetimeFigureOut">
               <a:rPr lang="hu-HU" smtClean="0"/>
-              <a:t>2023.04.12</a:t>
+              <a:t>2023.04.26</a:t>
             </a:fld>
             <a:endParaRPr lang="hu-HU"/>
           </a:p>
@@ -2375,7 +2380,7 @@
           <a:p>
             <a:fld id="{23D3FCB9-08D8-4860-B73D-8AF7AE2A1973}" type="datetimeFigureOut">
               <a:rPr lang="hu-HU" smtClean="0"/>
-              <a:t>2023.04.12</a:t>
+              <a:t>2023.04.26</a:t>
             </a:fld>
             <a:endParaRPr lang="hu-HU"/>
           </a:p>
@@ -2663,7 +2668,7 @@
           <a:p>
             <a:fld id="{23D3FCB9-08D8-4860-B73D-8AF7AE2A1973}" type="datetimeFigureOut">
               <a:rPr lang="hu-HU" smtClean="0"/>
-              <a:t>2023.04.12</a:t>
+              <a:t>2023.04.26</a:t>
             </a:fld>
             <a:endParaRPr lang="hu-HU"/>
           </a:p>
@@ -2904,7 +2909,7 @@
           <a:p>
             <a:fld id="{23D3FCB9-08D8-4860-B73D-8AF7AE2A1973}" type="datetimeFigureOut">
               <a:rPr lang="hu-HU" smtClean="0"/>
-              <a:t>2023.04.12</a:t>
+              <a:t>2023.04.26</a:t>
             </a:fld>
             <a:endParaRPr lang="hu-HU"/>
           </a:p>
@@ -3342,7 +3347,10 @@
           <a:bodyPr/>
           <a:lstStyle/>
           <a:p>
-            <a:endParaRPr lang="hu-HU"/>
+            <a:r>
+              <a:rPr lang="hu-HU" dirty="0"/>
+              <a:t>Középkori kínzóeszközök-konspirációs elméletek</a:t>
+            </a:r>
           </a:p>
         </p:txBody>
       </p:sp>
@@ -3367,7 +3375,27 @@
           <a:bodyPr/>
           <a:lstStyle/>
           <a:p>
-            <a:endParaRPr lang="hu-HU"/>
+            <a:r>
+              <a:rPr lang="hu-HU" dirty="0" err="1"/>
+              <a:t>Reinhardt</a:t>
+            </a:r>
+            <a:r>
+              <a:rPr lang="hu-HU" dirty="0"/>
+              <a:t> Benjámin</a:t>
+            </a:r>
+          </a:p>
+          <a:p>
+            <a:r>
+              <a:rPr lang="hu-HU" dirty="0"/>
+              <a:t>Bartha Bende</a:t>
+            </a:r>
+            <a:br>
+              <a:rPr lang="hu-HU" dirty="0"/>
+            </a:br>
+            <a:r>
+              <a:rPr lang="hu-HU" dirty="0"/>
+              <a:t>Szemethy Levente</a:t>
+            </a:r>
           </a:p>
         </p:txBody>
       </p:sp>

--- a/PPT.pptx
+++ b/PPT.pptx
@@ -6,6 +6,11 @@
   </p:sldMasterIdLst>
   <p:sldIdLst>
     <p:sldId id="256" r:id="rId2"/>
+    <p:sldId id="257" r:id="rId3"/>
+    <p:sldId id="258" r:id="rId4"/>
+    <p:sldId id="259" r:id="rId5"/>
+    <p:sldId id="260" r:id="rId6"/>
+    <p:sldId id="261" r:id="rId7"/>
   </p:sldIdLst>
   <p:sldSz cx="12192000" cy="6858000"/>
   <p:notesSz cx="6858000" cy="9144000"/>
@@ -259,7 +264,7 @@
           <a:p>
             <a:fld id="{23D3FCB9-08D8-4860-B73D-8AF7AE2A1973}" type="datetimeFigureOut">
               <a:rPr lang="hu-HU" smtClean="0"/>
-              <a:t>2023.04.26</a:t>
+              <a:t>2023.05.03</a:t>
             </a:fld>
             <a:endParaRPr lang="hu-HU"/>
           </a:p>
@@ -457,7 +462,7 @@
           <a:p>
             <a:fld id="{23D3FCB9-08D8-4860-B73D-8AF7AE2A1973}" type="datetimeFigureOut">
               <a:rPr lang="hu-HU" smtClean="0"/>
-              <a:t>2023.04.26</a:t>
+              <a:t>2023.05.03</a:t>
             </a:fld>
             <a:endParaRPr lang="hu-HU"/>
           </a:p>
@@ -665,7 +670,7 @@
           <a:p>
             <a:fld id="{23D3FCB9-08D8-4860-B73D-8AF7AE2A1973}" type="datetimeFigureOut">
               <a:rPr lang="hu-HU" smtClean="0"/>
-              <a:t>2023.04.26</a:t>
+              <a:t>2023.05.03</a:t>
             </a:fld>
             <a:endParaRPr lang="hu-HU"/>
           </a:p>
@@ -863,7 +868,7 @@
           <a:p>
             <a:fld id="{23D3FCB9-08D8-4860-B73D-8AF7AE2A1973}" type="datetimeFigureOut">
               <a:rPr lang="hu-HU" smtClean="0"/>
-              <a:t>2023.04.26</a:t>
+              <a:t>2023.05.03</a:t>
             </a:fld>
             <a:endParaRPr lang="hu-HU"/>
           </a:p>
@@ -1138,7 +1143,7 @@
           <a:p>
             <a:fld id="{23D3FCB9-08D8-4860-B73D-8AF7AE2A1973}" type="datetimeFigureOut">
               <a:rPr lang="hu-HU" smtClean="0"/>
-              <a:t>2023.04.26</a:t>
+              <a:t>2023.05.03</a:t>
             </a:fld>
             <a:endParaRPr lang="hu-HU"/>
           </a:p>
@@ -1403,7 +1408,7 @@
           <a:p>
             <a:fld id="{23D3FCB9-08D8-4860-B73D-8AF7AE2A1973}" type="datetimeFigureOut">
               <a:rPr lang="hu-HU" smtClean="0"/>
-              <a:t>2023.04.26</a:t>
+              <a:t>2023.05.03</a:t>
             </a:fld>
             <a:endParaRPr lang="hu-HU"/>
           </a:p>
@@ -1815,7 +1820,7 @@
           <a:p>
             <a:fld id="{23D3FCB9-08D8-4860-B73D-8AF7AE2A1973}" type="datetimeFigureOut">
               <a:rPr lang="hu-HU" smtClean="0"/>
-              <a:t>2023.04.26</a:t>
+              <a:t>2023.05.03</a:t>
             </a:fld>
             <a:endParaRPr lang="hu-HU"/>
           </a:p>
@@ -1956,7 +1961,7 @@
           <a:p>
             <a:fld id="{23D3FCB9-08D8-4860-B73D-8AF7AE2A1973}" type="datetimeFigureOut">
               <a:rPr lang="hu-HU" smtClean="0"/>
-              <a:t>2023.04.26</a:t>
+              <a:t>2023.05.03</a:t>
             </a:fld>
             <a:endParaRPr lang="hu-HU"/>
           </a:p>
@@ -2069,7 +2074,7 @@
           <a:p>
             <a:fld id="{23D3FCB9-08D8-4860-B73D-8AF7AE2A1973}" type="datetimeFigureOut">
               <a:rPr lang="hu-HU" smtClean="0"/>
-              <a:t>2023.04.26</a:t>
+              <a:t>2023.05.03</a:t>
             </a:fld>
             <a:endParaRPr lang="hu-HU"/>
           </a:p>
@@ -2380,7 +2385,7 @@
           <a:p>
             <a:fld id="{23D3FCB9-08D8-4860-B73D-8AF7AE2A1973}" type="datetimeFigureOut">
               <a:rPr lang="hu-HU" smtClean="0"/>
-              <a:t>2023.04.26</a:t>
+              <a:t>2023.05.03</a:t>
             </a:fld>
             <a:endParaRPr lang="hu-HU"/>
           </a:p>
@@ -2668,7 +2673,7 @@
           <a:p>
             <a:fld id="{23D3FCB9-08D8-4860-B73D-8AF7AE2A1973}" type="datetimeFigureOut">
               <a:rPr lang="hu-HU" smtClean="0"/>
-              <a:t>2023.04.26</a:t>
+              <a:t>2023.05.03</a:t>
             </a:fld>
             <a:endParaRPr lang="hu-HU"/>
           </a:p>
@@ -2909,7 +2914,7 @@
           <a:p>
             <a:fld id="{23D3FCB9-08D8-4860-B73D-8AF7AE2A1973}" type="datetimeFigureOut">
               <a:rPr lang="hu-HU" smtClean="0"/>
-              <a:t>2023.04.26</a:t>
+              <a:t>2023.05.03</a:t>
             </a:fld>
             <a:endParaRPr lang="hu-HU"/>
           </a:p>
@@ -3326,6 +3331,42 @@
           <a:chExt cx="0" cy="0"/>
         </a:xfrm>
       </p:grpSpPr>
+      <p:pic>
+        <p:nvPicPr>
+          <p:cNvPr id="5" name="Kép 4">
+            <a:extLst>
+              <a:ext uri="{FF2B5EF4-FFF2-40B4-BE49-F238E27FC236}">
+                <a16:creationId xmlns:a16="http://schemas.microsoft.com/office/drawing/2014/main" id="{DF6381E5-783F-450A-866B-7A2CFE37E200}"/>
+              </a:ext>
+            </a:extLst>
+          </p:cNvPr>
+          <p:cNvPicPr>
+            <a:picLocks noChangeAspect="1"/>
+          </p:cNvPicPr>
+          <p:nvPr/>
+        </p:nvPicPr>
+        <p:blipFill>
+          <a:blip r:embed="rId2">
+            <a:extLst>
+              <a:ext uri="{28A0092B-C50C-407E-A947-70E740481C1C}">
+                <a14:useLocalDpi xmlns:a14="http://schemas.microsoft.com/office/drawing/2010/main" val="0"/>
+              </a:ext>
+            </a:extLst>
+          </a:blip>
+          <a:stretch>
+            <a:fillRect/>
+          </a:stretch>
+        </p:blipFill>
+        <p:spPr>
+          <a:xfrm>
+            <a:off x="-1" y="-36368"/>
+            <a:ext cx="12256656" cy="6894368"/>
+          </a:xfrm>
+          <a:prstGeom prst="rect">
+            <a:avLst/>
+          </a:prstGeom>
+        </p:spPr>
+      </p:pic>
       <p:sp>
         <p:nvSpPr>
           <p:cNvPr id="2" name="Cím 1">
@@ -3342,14 +3383,58 @@
             <p:ph type="ctrTitle"/>
           </p:nvPr>
         </p:nvSpPr>
-        <p:spPr/>
-        <p:txBody>
-          <a:bodyPr/>
+        <p:spPr>
+          <a:xfrm>
+            <a:off x="1556327" y="321252"/>
+            <a:ext cx="9144000" cy="1872674"/>
+          </a:xfrm>
+          <a:solidFill>
+            <a:schemeClr val="tx1">
+              <a:lumMod val="85000"/>
+              <a:lumOff val="15000"/>
+              <a:alpha val="56000"/>
+            </a:schemeClr>
+          </a:solidFill>
+          <a:effectLst>
+            <a:softEdge rad="0"/>
+          </a:effectLst>
+        </p:spPr>
+        <p:txBody>
+          <a:bodyPr>
+            <a:normAutofit/>
+          </a:bodyPr>
           <a:lstStyle/>
           <a:p>
             <a:r>
-              <a:rPr lang="hu-HU" dirty="0"/>
-              <a:t>Középkori kínzóeszközök-konspirációs elméletek</a:t>
+              <a:rPr lang="hu-HU" b="1" dirty="0">
+                <a:solidFill>
+                  <a:schemeClr val="bg1"/>
+                </a:solidFill>
+              </a:rPr>
+              <a:t>Középkori </a:t>
+            </a:r>
+            <a:r>
+              <a:rPr lang="hu-HU" b="1" dirty="0">
+                <a:solidFill>
+                  <a:schemeClr val="bg1"/>
+                </a:solidFill>
+                <a:effectLst>
+                  <a:outerShdw blurRad="50800" dist="50800" dir="5400000" sx="99000" sy="99000" algn="ctr" rotWithShape="0">
+                    <a:srgbClr val="000000">
+                      <a:alpha val="52000"/>
+                    </a:srgbClr>
+                  </a:outerShdw>
+                </a:effectLst>
+              </a:rPr>
+              <a:t>kínzóeszközök-konspirációs</a:t>
+            </a:r>
+            <a:r>
+              <a:rPr lang="hu-HU" b="1" dirty="0">
+                <a:solidFill>
+                  <a:schemeClr val="bg1"/>
+                </a:solidFill>
+              </a:rPr>
+              <a:t> elméletek</a:t>
             </a:r>
           </a:p>
         </p:txBody>
@@ -3370,30 +3455,83 @@
             <p:ph type="subTitle" idx="1"/>
           </p:nvPr>
         </p:nvSpPr>
-        <p:spPr/>
-        <p:txBody>
-          <a:bodyPr/>
+        <p:spPr>
+          <a:xfrm>
+            <a:off x="544946" y="4045527"/>
+            <a:ext cx="3380509" cy="2034310"/>
+          </a:xfrm>
+          <a:solidFill>
+            <a:schemeClr val="tx1">
+              <a:lumMod val="85000"/>
+              <a:lumOff val="15000"/>
+              <a:alpha val="56000"/>
+            </a:schemeClr>
+          </a:solidFill>
+        </p:spPr>
+        <p:txBody>
+          <a:bodyPr>
+            <a:normAutofit fontScale="92500" lnSpcReduction="10000"/>
+          </a:bodyPr>
           <a:lstStyle/>
           <a:p>
             <a:r>
-              <a:rPr lang="hu-HU" dirty="0" err="1"/>
+              <a:rPr lang="hu-HU" b="1" dirty="0">
+                <a:solidFill>
+                  <a:schemeClr val="bg1"/>
+                </a:solidFill>
+              </a:rPr>
+              <a:t>Bartha Bende</a:t>
+            </a:r>
+          </a:p>
+          <a:p>
+            <a:endParaRPr lang="hu-HU" b="1" dirty="0">
+              <a:solidFill>
+                <a:schemeClr val="bg1"/>
+              </a:solidFill>
+            </a:endParaRPr>
+          </a:p>
+          <a:p>
+            <a:pPr>
+              <a:spcAft>
+                <a:spcPts val="600"/>
+              </a:spcAft>
+            </a:pPr>
+            <a:r>
+              <a:rPr lang="hu-HU" b="1" dirty="0" err="1">
+                <a:solidFill>
+                  <a:schemeClr val="bg1"/>
+                </a:solidFill>
+              </a:rPr>
               <a:t>Reinhardt</a:t>
             </a:r>
             <a:r>
-              <a:rPr lang="hu-HU" dirty="0"/>
+              <a:rPr lang="hu-HU" b="1" dirty="0">
+                <a:solidFill>
+                  <a:schemeClr val="bg1"/>
+                </a:solidFill>
+              </a:rPr>
               <a:t> Benjámin</a:t>
             </a:r>
           </a:p>
           <a:p>
-            <a:r>
-              <a:rPr lang="hu-HU" dirty="0"/>
-              <a:t>Bartha Bende</a:t>
-            </a:r>
+            <a:pPr>
+              <a:spcAft>
+                <a:spcPts val="600"/>
+              </a:spcAft>
+            </a:pPr>
             <a:br>
-              <a:rPr lang="hu-HU" dirty="0"/>
+              <a:rPr lang="hu-HU" b="1" dirty="0">
+                <a:solidFill>
+                  <a:schemeClr val="bg1"/>
+                </a:solidFill>
+              </a:rPr>
             </a:br>
             <a:r>
-              <a:rPr lang="hu-HU" dirty="0"/>
+              <a:rPr lang="hu-HU" b="1" dirty="0">
+                <a:solidFill>
+                  <a:schemeClr val="bg1"/>
+                </a:solidFill>
+              </a:rPr>
               <a:t>Szemethy Levente</a:t>
             </a:r>
           </a:p>
@@ -3403,6 +3541,1519 @@
     <p:extLst>
       <p:ext uri="{BB962C8B-B14F-4D97-AF65-F5344CB8AC3E}">
         <p14:creationId xmlns:p14="http://schemas.microsoft.com/office/powerpoint/2010/main" val="1316512124"/>
+      </p:ext>
+    </p:extLst>
+  </p:cSld>
+  <p:clrMapOvr>
+    <a:masterClrMapping/>
+  </p:clrMapOvr>
+</p:sld>
+</file>
+
+<file path=ppt/slides/slide2.xml><?xml version="1.0" encoding="utf-8"?>
+<p:sld xmlns:a="http://schemas.openxmlformats.org/drawingml/2006/main" xmlns:r="http://schemas.openxmlformats.org/officeDocument/2006/relationships" xmlns:p="http://schemas.openxmlformats.org/presentationml/2006/main">
+  <p:cSld>
+    <p:spTree>
+      <p:nvGrpSpPr>
+        <p:cNvPr id="1" name=""/>
+        <p:cNvGrpSpPr/>
+        <p:nvPr/>
+      </p:nvGrpSpPr>
+      <p:grpSpPr>
+        <a:xfrm>
+          <a:off x="0" y="0"/>
+          <a:ext cx="0" cy="0"/>
+          <a:chOff x="0" y="0"/>
+          <a:chExt cx="0" cy="0"/>
+        </a:xfrm>
+      </p:grpSpPr>
+      <p:pic>
+        <p:nvPicPr>
+          <p:cNvPr id="3" name="Kép 2">
+            <a:extLst>
+              <a:ext uri="{FF2B5EF4-FFF2-40B4-BE49-F238E27FC236}">
+                <a16:creationId xmlns:a16="http://schemas.microsoft.com/office/drawing/2014/main" id="{3FDC19B8-0E16-44B6-A2EF-864CAB83009C}"/>
+              </a:ext>
+            </a:extLst>
+          </p:cNvPr>
+          <p:cNvPicPr>
+            <a:picLocks noChangeAspect="1"/>
+          </p:cNvPicPr>
+          <p:nvPr/>
+        </p:nvPicPr>
+        <p:blipFill>
+          <a:blip r:embed="rId2">
+            <a:extLst>
+              <a:ext uri="{28A0092B-C50C-407E-A947-70E740481C1C}">
+                <a14:useLocalDpi xmlns:a14="http://schemas.microsoft.com/office/drawing/2010/main" val="0"/>
+              </a:ext>
+            </a:extLst>
+          </a:blip>
+          <a:stretch>
+            <a:fillRect/>
+          </a:stretch>
+        </p:blipFill>
+        <p:spPr>
+          <a:xfrm>
+            <a:off x="0" y="0"/>
+            <a:ext cx="12192000" cy="6858000"/>
+          </a:xfrm>
+          <a:prstGeom prst="rect">
+            <a:avLst/>
+          </a:prstGeom>
+        </p:spPr>
+      </p:pic>
+      <p:sp>
+        <p:nvSpPr>
+          <p:cNvPr id="4" name="Cím 1">
+            <a:extLst>
+              <a:ext uri="{FF2B5EF4-FFF2-40B4-BE49-F238E27FC236}">
+                <a16:creationId xmlns:a16="http://schemas.microsoft.com/office/drawing/2014/main" id="{5803ABE8-46BB-493E-9AA8-303272044720}"/>
+              </a:ext>
+            </a:extLst>
+          </p:cNvPr>
+          <p:cNvSpPr txBox="1">
+            <a:spLocks/>
+          </p:cNvSpPr>
+          <p:nvPr/>
+        </p:nvSpPr>
+        <p:spPr>
+          <a:xfrm>
+            <a:off x="226291" y="284306"/>
+            <a:ext cx="7624618" cy="5512812"/>
+          </a:xfrm>
+          <a:prstGeom prst="rect">
+            <a:avLst/>
+          </a:prstGeom>
+          <a:solidFill>
+            <a:schemeClr val="tx1">
+              <a:lumMod val="85000"/>
+              <a:lumOff val="15000"/>
+              <a:alpha val="56000"/>
+            </a:schemeClr>
+          </a:solidFill>
+          <a:effectLst>
+            <a:softEdge rad="0"/>
+          </a:effectLst>
+        </p:spPr>
+        <p:txBody>
+          <a:bodyPr>
+            <a:normAutofit/>
+          </a:bodyPr>
+          <a:lstStyle>
+            <a:lvl1pPr algn="l" defTabSz="914400" rtl="0" eaLnBrk="1" latinLnBrk="0" hangingPunct="1">
+              <a:lnSpc>
+                <a:spcPct val="90000"/>
+              </a:lnSpc>
+              <a:spcBef>
+                <a:spcPct val="0"/>
+              </a:spcBef>
+              <a:buNone/>
+              <a:defRPr sz="4400" kern="1200">
+                <a:solidFill>
+                  <a:schemeClr val="tx1"/>
+                </a:solidFill>
+                <a:latin typeface="+mj-lt"/>
+                <a:ea typeface="+mj-ea"/>
+                <a:cs typeface="+mj-cs"/>
+              </a:defRPr>
+            </a:lvl1pPr>
+          </a:lstStyle>
+          <a:p>
+            <a:r>
+              <a:rPr lang="hu-HU" b="1" dirty="0">
+                <a:solidFill>
+                  <a:schemeClr val="bg1"/>
+                </a:solidFill>
+              </a:rPr>
+              <a:t>Középkori </a:t>
+            </a:r>
+            <a:r>
+              <a:rPr lang="hu-HU" b="1" dirty="0">
+                <a:solidFill>
+                  <a:schemeClr val="bg1"/>
+                </a:solidFill>
+                <a:effectLst>
+                  <a:outerShdw blurRad="50800" dist="50800" dir="5400000" sx="99000" sy="99000" algn="ctr" rotWithShape="0">
+                    <a:srgbClr val="000000">
+                      <a:alpha val="52000"/>
+                    </a:srgbClr>
+                  </a:outerShdw>
+                </a:effectLst>
+              </a:rPr>
+              <a:t>kínzóeszközök</a:t>
+            </a:r>
+          </a:p>
+          <a:p>
+            <a:endParaRPr lang="hu-HU" b="1" dirty="0">
+              <a:solidFill>
+                <a:schemeClr val="bg1"/>
+              </a:solidFill>
+              <a:effectLst>
+                <a:outerShdw blurRad="50800" dist="50800" dir="5400000" sx="99000" sy="99000" algn="ctr" rotWithShape="0">
+                  <a:srgbClr val="000000">
+                    <a:alpha val="52000"/>
+                  </a:srgbClr>
+                </a:outerShdw>
+              </a:effectLst>
+            </a:endParaRPr>
+          </a:p>
+          <a:p>
+            <a:r>
+              <a:rPr lang="hu-HU" b="1" dirty="0">
+                <a:solidFill>
+                  <a:schemeClr val="bg1"/>
+                </a:solidFill>
+              </a:rPr>
+              <a:t>Bartha Bende:</a:t>
+            </a:r>
+          </a:p>
+          <a:p>
+            <a:r>
+              <a:rPr lang="hu-HU" b="1" dirty="0">
+                <a:solidFill>
+                  <a:schemeClr val="bg1"/>
+                </a:solidFill>
+              </a:rPr>
+              <a:t>-kinzoeszkozok2.html</a:t>
+            </a:r>
+          </a:p>
+          <a:p>
+            <a:r>
+              <a:rPr lang="hu-HU" b="1" dirty="0">
+                <a:solidFill>
+                  <a:schemeClr val="bg1"/>
+                </a:solidFill>
+              </a:rPr>
+              <a:t>-képek/</a:t>
+            </a:r>
+            <a:r>
+              <a:rPr lang="hu-HU" b="1" dirty="0" err="1">
+                <a:solidFill>
+                  <a:schemeClr val="bg1"/>
+                </a:solidFill>
+              </a:rPr>
+              <a:t>infomációgyűjtés</a:t>
+            </a:r>
+            <a:endParaRPr lang="hu-HU" b="1" dirty="0">
+              <a:solidFill>
+                <a:schemeClr val="bg1"/>
+              </a:solidFill>
+            </a:endParaRPr>
+          </a:p>
+          <a:p>
+            <a:endParaRPr lang="hu-HU" b="1" dirty="0">
+              <a:solidFill>
+                <a:schemeClr val="bg1"/>
+              </a:solidFill>
+            </a:endParaRPr>
+          </a:p>
+        </p:txBody>
+      </p:sp>
+    </p:spTree>
+    <p:extLst>
+      <p:ext uri="{BB962C8B-B14F-4D97-AF65-F5344CB8AC3E}">
+        <p14:creationId xmlns:p14="http://schemas.microsoft.com/office/powerpoint/2010/main" val="3672800515"/>
+      </p:ext>
+    </p:extLst>
+  </p:cSld>
+  <p:clrMapOvr>
+    <a:masterClrMapping/>
+  </p:clrMapOvr>
+</p:sld>
+</file>
+
+<file path=ppt/slides/slide3.xml><?xml version="1.0" encoding="utf-8"?>
+<p:sld xmlns:a="http://schemas.openxmlformats.org/drawingml/2006/main" xmlns:r="http://schemas.openxmlformats.org/officeDocument/2006/relationships" xmlns:p="http://schemas.openxmlformats.org/presentationml/2006/main">
+  <p:cSld>
+    <p:spTree>
+      <p:nvGrpSpPr>
+        <p:cNvPr id="1" name=""/>
+        <p:cNvGrpSpPr/>
+        <p:nvPr/>
+      </p:nvGrpSpPr>
+      <p:grpSpPr>
+        <a:xfrm>
+          <a:off x="0" y="0"/>
+          <a:ext cx="0" cy="0"/>
+          <a:chOff x="0" y="0"/>
+          <a:chExt cx="0" cy="0"/>
+        </a:xfrm>
+      </p:grpSpPr>
+      <p:pic>
+        <p:nvPicPr>
+          <p:cNvPr id="3" name="Kép 2">
+            <a:extLst>
+              <a:ext uri="{FF2B5EF4-FFF2-40B4-BE49-F238E27FC236}">
+                <a16:creationId xmlns:a16="http://schemas.microsoft.com/office/drawing/2014/main" id="{3FDC19B8-0E16-44B6-A2EF-864CAB83009C}"/>
+              </a:ext>
+            </a:extLst>
+          </p:cNvPr>
+          <p:cNvPicPr>
+            <a:picLocks noChangeAspect="1"/>
+          </p:cNvPicPr>
+          <p:nvPr/>
+        </p:nvPicPr>
+        <p:blipFill>
+          <a:blip r:embed="rId2">
+            <a:extLst>
+              <a:ext uri="{28A0092B-C50C-407E-A947-70E740481C1C}">
+                <a14:useLocalDpi xmlns:a14="http://schemas.microsoft.com/office/drawing/2010/main" val="0"/>
+              </a:ext>
+            </a:extLst>
+          </a:blip>
+          <a:stretch>
+            <a:fillRect/>
+          </a:stretch>
+        </p:blipFill>
+        <p:spPr>
+          <a:xfrm>
+            <a:off x="0" y="0"/>
+            <a:ext cx="12192000" cy="6858000"/>
+          </a:xfrm>
+          <a:prstGeom prst="rect">
+            <a:avLst/>
+          </a:prstGeom>
+        </p:spPr>
+      </p:pic>
+      <p:sp>
+        <p:nvSpPr>
+          <p:cNvPr id="5" name="Cím 1">
+            <a:extLst>
+              <a:ext uri="{FF2B5EF4-FFF2-40B4-BE49-F238E27FC236}">
+                <a16:creationId xmlns:a16="http://schemas.microsoft.com/office/drawing/2014/main" id="{FF324666-4C8F-E50D-926F-483E82769991}"/>
+              </a:ext>
+            </a:extLst>
+          </p:cNvPr>
+          <p:cNvSpPr txBox="1">
+            <a:spLocks/>
+          </p:cNvSpPr>
+          <p:nvPr/>
+        </p:nvSpPr>
+        <p:spPr>
+          <a:xfrm>
+            <a:off x="226291" y="284306"/>
+            <a:ext cx="7624618" cy="5512812"/>
+          </a:xfrm>
+          <a:prstGeom prst="rect">
+            <a:avLst/>
+          </a:prstGeom>
+          <a:solidFill>
+            <a:schemeClr val="tx1">
+              <a:lumMod val="85000"/>
+              <a:lumOff val="15000"/>
+              <a:alpha val="56000"/>
+            </a:schemeClr>
+          </a:solidFill>
+          <a:effectLst>
+            <a:softEdge rad="0"/>
+          </a:effectLst>
+        </p:spPr>
+        <p:txBody>
+          <a:bodyPr>
+            <a:normAutofit/>
+          </a:bodyPr>
+          <a:lstStyle>
+            <a:lvl1pPr algn="l" defTabSz="914400" rtl="0" eaLnBrk="1" latinLnBrk="0" hangingPunct="1">
+              <a:lnSpc>
+                <a:spcPct val="90000"/>
+              </a:lnSpc>
+              <a:spcBef>
+                <a:spcPct val="0"/>
+              </a:spcBef>
+              <a:buNone/>
+              <a:defRPr sz="4400" kern="1200">
+                <a:solidFill>
+                  <a:schemeClr val="tx1"/>
+                </a:solidFill>
+                <a:latin typeface="+mj-lt"/>
+                <a:ea typeface="+mj-ea"/>
+                <a:cs typeface="+mj-cs"/>
+              </a:defRPr>
+            </a:lvl1pPr>
+          </a:lstStyle>
+          <a:p>
+            <a:r>
+              <a:rPr lang="hu-HU" b="1" dirty="0">
+                <a:solidFill>
+                  <a:schemeClr val="bg1"/>
+                </a:solidFill>
+              </a:rPr>
+              <a:t>Középkori </a:t>
+            </a:r>
+            <a:r>
+              <a:rPr lang="hu-HU" b="1" dirty="0">
+                <a:solidFill>
+                  <a:schemeClr val="bg1"/>
+                </a:solidFill>
+                <a:effectLst>
+                  <a:outerShdw blurRad="50800" dist="50800" dir="5400000" sx="99000" sy="99000" algn="ctr" rotWithShape="0">
+                    <a:srgbClr val="000000">
+                      <a:alpha val="52000"/>
+                    </a:srgbClr>
+                  </a:outerShdw>
+                </a:effectLst>
+              </a:rPr>
+              <a:t>kínzóeszközök:</a:t>
+            </a:r>
+          </a:p>
+          <a:p>
+            <a:endParaRPr lang="hu-HU" b="1" dirty="0">
+              <a:solidFill>
+                <a:schemeClr val="bg1"/>
+              </a:solidFill>
+              <a:effectLst>
+                <a:outerShdw blurRad="50800" dist="50800" dir="5400000" sx="99000" sy="99000" algn="ctr" rotWithShape="0">
+                  <a:srgbClr val="000000">
+                    <a:alpha val="52000"/>
+                  </a:srgbClr>
+                </a:outerShdw>
+              </a:effectLst>
+            </a:endParaRPr>
+          </a:p>
+          <a:p>
+            <a:r>
+              <a:rPr lang="hu-HU" b="1" dirty="0" err="1">
+                <a:solidFill>
+                  <a:schemeClr val="bg1"/>
+                </a:solidFill>
+              </a:rPr>
+              <a:t>Reinhardt</a:t>
+            </a:r>
+            <a:r>
+              <a:rPr lang="hu-HU" b="1" dirty="0">
+                <a:solidFill>
+                  <a:schemeClr val="bg1"/>
+                </a:solidFill>
+              </a:rPr>
+              <a:t> Benjámin</a:t>
+            </a:r>
+          </a:p>
+          <a:p>
+            <a:endParaRPr lang="hu-HU" b="1" dirty="0">
+              <a:solidFill>
+                <a:schemeClr val="bg1"/>
+              </a:solidFill>
+            </a:endParaRPr>
+          </a:p>
+          <a:p>
+            <a:r>
+              <a:rPr lang="hu-HU" b="1" dirty="0">
+                <a:solidFill>
+                  <a:schemeClr val="bg1"/>
+                </a:solidFill>
+              </a:rPr>
+              <a:t>-index.html</a:t>
+            </a:r>
+          </a:p>
+          <a:p>
+            <a:r>
+              <a:rPr lang="hu-HU" b="1" dirty="0">
+                <a:solidFill>
+                  <a:schemeClr val="bg1"/>
+                </a:solidFill>
+              </a:rPr>
+              <a:t>-kinzoeszkozok.html</a:t>
+            </a:r>
+          </a:p>
+          <a:p>
+            <a:endParaRPr lang="hu-HU" b="1" dirty="0">
+              <a:solidFill>
+                <a:schemeClr val="bg1"/>
+              </a:solidFill>
+            </a:endParaRPr>
+          </a:p>
+        </p:txBody>
+      </p:sp>
+    </p:spTree>
+    <p:extLst>
+      <p:ext uri="{BB962C8B-B14F-4D97-AF65-F5344CB8AC3E}">
+        <p14:creationId xmlns:p14="http://schemas.microsoft.com/office/powerpoint/2010/main" val="2058851831"/>
+      </p:ext>
+    </p:extLst>
+  </p:cSld>
+  <p:clrMapOvr>
+    <a:masterClrMapping/>
+  </p:clrMapOvr>
+</p:sld>
+</file>
+
+<file path=ppt/slides/slide4.xml><?xml version="1.0" encoding="utf-8"?>
+<p:sld xmlns:a="http://schemas.openxmlformats.org/drawingml/2006/main" xmlns:r="http://schemas.openxmlformats.org/officeDocument/2006/relationships" xmlns:p="http://schemas.openxmlformats.org/presentationml/2006/main">
+  <p:cSld>
+    <p:spTree>
+      <p:nvGrpSpPr>
+        <p:cNvPr id="1" name=""/>
+        <p:cNvGrpSpPr/>
+        <p:nvPr/>
+      </p:nvGrpSpPr>
+      <p:grpSpPr>
+        <a:xfrm>
+          <a:off x="0" y="0"/>
+          <a:ext cx="0" cy="0"/>
+          <a:chOff x="0" y="0"/>
+          <a:chExt cx="0" cy="0"/>
+        </a:xfrm>
+      </p:grpSpPr>
+      <p:pic>
+        <p:nvPicPr>
+          <p:cNvPr id="3" name="Kép 2">
+            <a:extLst>
+              <a:ext uri="{FF2B5EF4-FFF2-40B4-BE49-F238E27FC236}">
+                <a16:creationId xmlns:a16="http://schemas.microsoft.com/office/drawing/2014/main" id="{651C3DEE-4E44-C4F2-004B-DA40D2DB46AB}"/>
+              </a:ext>
+            </a:extLst>
+          </p:cNvPr>
+          <p:cNvPicPr>
+            <a:picLocks noChangeAspect="1"/>
+          </p:cNvPicPr>
+          <p:nvPr/>
+        </p:nvPicPr>
+        <p:blipFill>
+          <a:blip r:embed="rId2">
+            <a:extLst>
+              <a:ext uri="{28A0092B-C50C-407E-A947-70E740481C1C}">
+                <a14:useLocalDpi xmlns:a14="http://schemas.microsoft.com/office/drawing/2010/main" val="0"/>
+              </a:ext>
+            </a:extLst>
+          </a:blip>
+          <a:stretch>
+            <a:fillRect/>
+          </a:stretch>
+        </p:blipFill>
+        <p:spPr>
+          <a:xfrm>
+            <a:off x="0" y="1"/>
+            <a:ext cx="12192000" cy="6858000"/>
+          </a:xfrm>
+          <a:prstGeom prst="rect">
+            <a:avLst/>
+          </a:prstGeom>
+        </p:spPr>
+      </p:pic>
+      <p:sp>
+        <p:nvSpPr>
+          <p:cNvPr id="4" name="Cím 1">
+            <a:extLst>
+              <a:ext uri="{FF2B5EF4-FFF2-40B4-BE49-F238E27FC236}">
+                <a16:creationId xmlns:a16="http://schemas.microsoft.com/office/drawing/2014/main" id="{D4DEF887-DD32-B4FC-2385-FA4F939E1C29}"/>
+              </a:ext>
+            </a:extLst>
+          </p:cNvPr>
+          <p:cNvSpPr txBox="1">
+            <a:spLocks/>
+          </p:cNvSpPr>
+          <p:nvPr/>
+        </p:nvSpPr>
+        <p:spPr>
+          <a:xfrm>
+            <a:off x="269065" y="232475"/>
+            <a:ext cx="9144000" cy="5422601"/>
+          </a:xfrm>
+          <a:prstGeom prst="rect">
+            <a:avLst/>
+          </a:prstGeom>
+          <a:solidFill>
+            <a:schemeClr val="tx1">
+              <a:lumMod val="85000"/>
+              <a:lumOff val="15000"/>
+              <a:alpha val="56000"/>
+            </a:schemeClr>
+          </a:solidFill>
+          <a:effectLst>
+            <a:softEdge rad="0"/>
+          </a:effectLst>
+        </p:spPr>
+        <p:txBody>
+          <a:bodyPr>
+            <a:normAutofit/>
+          </a:bodyPr>
+          <a:lstStyle>
+            <a:lvl1pPr algn="l" defTabSz="914400" rtl="0" eaLnBrk="1" latinLnBrk="0" hangingPunct="1">
+              <a:lnSpc>
+                <a:spcPct val="90000"/>
+              </a:lnSpc>
+              <a:spcBef>
+                <a:spcPct val="0"/>
+              </a:spcBef>
+              <a:buNone/>
+              <a:defRPr sz="4400" kern="1200">
+                <a:solidFill>
+                  <a:schemeClr val="tx1"/>
+                </a:solidFill>
+                <a:latin typeface="+mj-lt"/>
+                <a:ea typeface="+mj-ea"/>
+                <a:cs typeface="+mj-cs"/>
+              </a:defRPr>
+            </a:lvl1pPr>
+          </a:lstStyle>
+          <a:p>
+            <a:r>
+              <a:rPr lang="hu-HU" b="1" dirty="0">
+                <a:solidFill>
+                  <a:schemeClr val="bg1"/>
+                </a:solidFill>
+                <a:effectLst>
+                  <a:outerShdw blurRad="50800" dist="50800" dir="5400000" sx="99000" sy="99000" algn="ctr" rotWithShape="0">
+                    <a:srgbClr val="000000">
+                      <a:alpha val="52000"/>
+                    </a:srgbClr>
+                  </a:outerShdw>
+                </a:effectLst>
+              </a:rPr>
+              <a:t>Konspirációs</a:t>
+            </a:r>
+            <a:r>
+              <a:rPr lang="hu-HU" b="1" dirty="0">
+                <a:solidFill>
+                  <a:schemeClr val="bg1"/>
+                </a:solidFill>
+              </a:rPr>
+              <a:t> elméletek</a:t>
+            </a:r>
+          </a:p>
+          <a:p>
+            <a:endParaRPr lang="hu-HU" b="1" dirty="0">
+              <a:solidFill>
+                <a:schemeClr val="bg1"/>
+              </a:solidFill>
+            </a:endParaRPr>
+          </a:p>
+          <a:p>
+            <a:r>
+              <a:rPr lang="hu-HU" sz="3600" b="1" dirty="0" err="1">
+                <a:solidFill>
+                  <a:schemeClr val="bg1"/>
+                </a:solidFill>
+              </a:rPr>
+              <a:t>Szemethy</a:t>
+            </a:r>
+            <a:r>
+              <a:rPr lang="hu-HU" sz="3600" b="1" dirty="0">
+                <a:solidFill>
+                  <a:schemeClr val="bg1"/>
+                </a:solidFill>
+              </a:rPr>
+              <a:t> Levente:</a:t>
+            </a:r>
+          </a:p>
+          <a:p>
+            <a:r>
+              <a:rPr lang="hu-HU" sz="3600" b="1" dirty="0">
+                <a:solidFill>
+                  <a:schemeClr val="bg1"/>
+                </a:solidFill>
+              </a:rPr>
+              <a:t>-PPT</a:t>
+            </a:r>
+          </a:p>
+          <a:p>
+            <a:r>
+              <a:rPr lang="hu-HU" sz="3600" b="1" dirty="0">
+                <a:solidFill>
+                  <a:schemeClr val="bg1"/>
+                </a:solidFill>
+              </a:rPr>
+              <a:t>-</a:t>
+            </a:r>
+            <a:r>
+              <a:rPr lang="hu-HU" sz="3600" b="1" dirty="0" err="1">
+                <a:solidFill>
+                  <a:schemeClr val="bg1"/>
+                </a:solidFill>
+              </a:rPr>
+              <a:t>main.konspirációs</a:t>
+            </a:r>
+            <a:r>
+              <a:rPr lang="hu-HU" sz="3600" b="1" dirty="0">
+                <a:solidFill>
+                  <a:schemeClr val="bg1"/>
+                </a:solidFill>
+              </a:rPr>
+              <a:t> elméletek.html</a:t>
+            </a:r>
+          </a:p>
+          <a:p>
+            <a:r>
+              <a:rPr lang="hu-HU" sz="3600" b="1" dirty="0">
+                <a:solidFill>
+                  <a:schemeClr val="bg1"/>
+                </a:solidFill>
+              </a:rPr>
+              <a:t>-még nem bizonyított.html</a:t>
+            </a:r>
+          </a:p>
+          <a:p>
+            <a:r>
+              <a:rPr lang="hu-HU" sz="3600" b="1" dirty="0">
+                <a:solidFill>
+                  <a:schemeClr val="bg1"/>
+                </a:solidFill>
+              </a:rPr>
+              <a:t>-bizonyított.html</a:t>
+            </a:r>
+          </a:p>
+        </p:txBody>
+      </p:sp>
+    </p:spTree>
+    <p:extLst>
+      <p:ext uri="{BB962C8B-B14F-4D97-AF65-F5344CB8AC3E}">
+        <p14:creationId xmlns:p14="http://schemas.microsoft.com/office/powerpoint/2010/main" val="762197310"/>
+      </p:ext>
+    </p:extLst>
+  </p:cSld>
+  <p:clrMapOvr>
+    <a:masterClrMapping/>
+  </p:clrMapOvr>
+</p:sld>
+</file>
+
+<file path=ppt/slides/slide5.xml><?xml version="1.0" encoding="utf-8"?>
+<p:sld xmlns:a="http://schemas.openxmlformats.org/drawingml/2006/main" xmlns:r="http://schemas.openxmlformats.org/officeDocument/2006/relationships" xmlns:p="http://schemas.openxmlformats.org/presentationml/2006/main">
+  <p:cSld>
+    <p:spTree>
+      <p:nvGrpSpPr>
+        <p:cNvPr id="1" name=""/>
+        <p:cNvGrpSpPr/>
+        <p:nvPr/>
+      </p:nvGrpSpPr>
+      <p:grpSpPr>
+        <a:xfrm>
+          <a:off x="0" y="0"/>
+          <a:ext cx="0" cy="0"/>
+          <a:chOff x="0" y="0"/>
+          <a:chExt cx="0" cy="0"/>
+        </a:xfrm>
+      </p:grpSpPr>
+      <p:pic>
+        <p:nvPicPr>
+          <p:cNvPr id="1026" name="Picture 2" descr="Picture">
+            <a:extLst>
+              <a:ext uri="{FF2B5EF4-FFF2-40B4-BE49-F238E27FC236}">
+                <a16:creationId xmlns:a16="http://schemas.microsoft.com/office/drawing/2014/main" id="{82D0835F-C9B5-0CCD-C861-E79370102E2F}"/>
+              </a:ext>
+            </a:extLst>
+          </p:cNvPr>
+          <p:cNvPicPr>
+            <a:picLocks noChangeAspect="1" noChangeArrowheads="1"/>
+          </p:cNvPicPr>
+          <p:nvPr/>
+        </p:nvPicPr>
+        <p:blipFill>
+          <a:blip r:embed="rId2">
+            <a:extLst>
+              <a:ext uri="{BEBA8EAE-BF5A-486C-A8C5-ECC9F3942E4B}">
+                <a14:imgProps xmlns:a14="http://schemas.microsoft.com/office/drawing/2010/main">
+                  <a14:imgLayer r:embed="rId3">
+                    <a14:imgEffect>
+                      <a14:backgroundRemoval t="10000" b="90000" l="4597" r="93433">
+                        <a14:foregroundMark x1="9381" y1="46000" x2="9381" y2="46000"/>
+                        <a14:foregroundMark x1="4597" y1="57125" x2="4597" y2="57125"/>
+                        <a14:foregroundMark x1="85553" y1="57875" x2="85553" y2="57875"/>
+                        <a14:foregroundMark x1="85084" y1="51000" x2="85084" y2="51000"/>
+                        <a14:foregroundMark x1="86304" y1="47000" x2="87805" y2="54500"/>
+                        <a14:foregroundMark x1="90244" y1="65750" x2="93433" y2="71125"/>
+                        <a14:foregroundMark x1="79925" y1="36875" x2="82364" y2="42750"/>
+                        <a14:foregroundMark x1="73827" y1="17250" x2="86304" y2="28375"/>
+                        <a14:foregroundMark x1="51876" y1="25000" x2="57974" y2="24375"/>
+                        <a14:foregroundMark x1="57974" y1="24375" x2="58161" y2="24500"/>
+                        <a14:foregroundMark x1="59006" y1="23750" x2="60413" y2="23750"/>
+                      </a14:backgroundRemoval>
+                    </a14:imgEffect>
+                  </a14:imgLayer>
+                </a14:imgProps>
+              </a:ext>
+              <a:ext uri="{28A0092B-C50C-407E-A947-70E740481C1C}">
+                <a14:useLocalDpi xmlns:a14="http://schemas.microsoft.com/office/drawing/2010/main" val="0"/>
+              </a:ext>
+            </a:extLst>
+          </a:blip>
+          <a:srcRect/>
+          <a:stretch>
+            <a:fillRect/>
+          </a:stretch>
+        </p:blipFill>
+        <p:spPr bwMode="auto">
+          <a:xfrm>
+            <a:off x="120384" y="304338"/>
+            <a:ext cx="5024018" cy="3770632"/>
+          </a:xfrm>
+          <a:prstGeom prst="rect">
+            <a:avLst/>
+          </a:prstGeom>
+          <a:ln>
+            <a:noFill/>
+          </a:ln>
+          <a:effectLst>
+            <a:outerShdw blurRad="292100" dist="139700" dir="2700000" algn="tl" rotWithShape="0">
+              <a:srgbClr val="333333">
+                <a:alpha val="65000"/>
+              </a:srgbClr>
+            </a:outerShdw>
+          </a:effectLst>
+          <a:extLst>
+            <a:ext uri="{909E8E84-426E-40DD-AFC4-6F175D3DCCD1}">
+              <a14:hiddenFill xmlns:a14="http://schemas.microsoft.com/office/drawing/2010/main">
+                <a:solidFill>
+                  <a:srgbClr val="FFFFFF"/>
+                </a:solidFill>
+              </a14:hiddenFill>
+            </a:ext>
+          </a:extLst>
+        </p:spPr>
+      </p:pic>
+      <p:pic>
+        <p:nvPicPr>
+          <p:cNvPr id="1030" name="Picture 6" descr="George W. Bush - Wikipedia">
+            <a:extLst>
+              <a:ext uri="{FF2B5EF4-FFF2-40B4-BE49-F238E27FC236}">
+                <a16:creationId xmlns:a16="http://schemas.microsoft.com/office/drawing/2014/main" id="{37934A95-E770-C1FE-230B-C5AB1192EEF0}"/>
+              </a:ext>
+            </a:extLst>
+          </p:cNvPr>
+          <p:cNvPicPr>
+            <a:picLocks noChangeAspect="1" noChangeArrowheads="1"/>
+          </p:cNvPicPr>
+          <p:nvPr/>
+        </p:nvPicPr>
+        <p:blipFill>
+          <a:blip r:embed="rId4">
+            <a:extLst>
+              <a:ext uri="{BEBA8EAE-BF5A-486C-A8C5-ECC9F3942E4B}">
+                <a14:imgProps xmlns:a14="http://schemas.microsoft.com/office/drawing/2010/main">
+                  <a14:imgLayer r:embed="rId5">
+                    <a14:imgEffect>
+                      <a14:saturation sat="0"/>
+                    </a14:imgEffect>
+                  </a14:imgLayer>
+                </a14:imgProps>
+              </a:ext>
+              <a:ext uri="{28A0092B-C50C-407E-A947-70E740481C1C}">
+                <a14:useLocalDpi xmlns:a14="http://schemas.microsoft.com/office/drawing/2010/main" val="0"/>
+              </a:ext>
+            </a:extLst>
+          </a:blip>
+          <a:srcRect/>
+          <a:stretch>
+            <a:fillRect/>
+          </a:stretch>
+        </p:blipFill>
+        <p:spPr bwMode="auto">
+          <a:xfrm rot="511266">
+            <a:off x="673302" y="3874425"/>
+            <a:ext cx="1948284" cy="2578611"/>
+          </a:xfrm>
+          <a:prstGeom prst="rect">
+            <a:avLst/>
+          </a:prstGeom>
+          <a:noFill/>
+          <a:ln w="88900" cap="sq" cmpd="thickThin">
+            <a:solidFill>
+              <a:srgbClr val="000000"/>
+            </a:solidFill>
+            <a:prstDash val="solid"/>
+            <a:miter lim="800000"/>
+          </a:ln>
+          <a:effectLst>
+            <a:innerShdw blurRad="76200">
+              <a:srgbClr val="000000"/>
+            </a:innerShdw>
+          </a:effectLst>
+        </p:spPr>
+      </p:pic>
+      <p:pic>
+        <p:nvPicPr>
+          <p:cNvPr id="1032" name="Picture 8" descr="26 Medieval Torture Devices to Haunt Your Nightmares">
+            <a:extLst>
+              <a:ext uri="{FF2B5EF4-FFF2-40B4-BE49-F238E27FC236}">
+                <a16:creationId xmlns:a16="http://schemas.microsoft.com/office/drawing/2014/main" id="{BB15DACC-E843-E68F-1496-303D3074CA85}"/>
+              </a:ext>
+            </a:extLst>
+          </p:cNvPr>
+          <p:cNvPicPr>
+            <a:picLocks noChangeAspect="1" noChangeArrowheads="1"/>
+          </p:cNvPicPr>
+          <p:nvPr/>
+        </p:nvPicPr>
+        <p:blipFill>
+          <a:blip r:embed="rId6">
+            <a:extLst>
+              <a:ext uri="{28A0092B-C50C-407E-A947-70E740481C1C}">
+                <a14:useLocalDpi xmlns:a14="http://schemas.microsoft.com/office/drawing/2010/main" val="0"/>
+              </a:ext>
+            </a:extLst>
+          </a:blip>
+          <a:srcRect/>
+          <a:stretch>
+            <a:fillRect/>
+          </a:stretch>
+        </p:blipFill>
+        <p:spPr bwMode="auto">
+          <a:xfrm>
+            <a:off x="7594956" y="3960098"/>
+            <a:ext cx="4400805" cy="2759305"/>
+          </a:xfrm>
+          <a:prstGeom prst="rect">
+            <a:avLst/>
+          </a:prstGeom>
+          <a:ln w="88900" cap="sq" cmpd="thickThin">
+            <a:solidFill>
+              <a:srgbClr val="000000"/>
+            </a:solidFill>
+            <a:prstDash val="solid"/>
+            <a:miter lim="800000"/>
+          </a:ln>
+          <a:effectLst>
+            <a:innerShdw blurRad="76200">
+              <a:srgbClr val="000000"/>
+            </a:innerShdw>
+          </a:effectLst>
+          <a:extLst>
+            <a:ext uri="{909E8E84-426E-40DD-AFC4-6F175D3DCCD1}">
+              <a14:hiddenFill xmlns:a14="http://schemas.microsoft.com/office/drawing/2010/main">
+                <a:solidFill>
+                  <a:srgbClr val="FFFFFF"/>
+                </a:solidFill>
+              </a14:hiddenFill>
+            </a:ext>
+          </a:extLst>
+        </p:spPr>
+      </p:pic>
+      <p:pic>
+        <p:nvPicPr>
+          <p:cNvPr id="1034" name="Picture 10" descr="10 Medieval Torture Devices | HowStuffWorks">
+            <a:extLst>
+              <a:ext uri="{FF2B5EF4-FFF2-40B4-BE49-F238E27FC236}">
+                <a16:creationId xmlns:a16="http://schemas.microsoft.com/office/drawing/2014/main" id="{EF44A57A-F513-433D-530F-303759F9105B}"/>
+              </a:ext>
+            </a:extLst>
+          </p:cNvPr>
+          <p:cNvPicPr>
+            <a:picLocks noChangeAspect="1" noChangeArrowheads="1"/>
+          </p:cNvPicPr>
+          <p:nvPr/>
+        </p:nvPicPr>
+        <p:blipFill>
+          <a:blip r:embed="rId7">
+            <a:extLst>
+              <a:ext uri="{28A0092B-C50C-407E-A947-70E740481C1C}">
+                <a14:useLocalDpi xmlns:a14="http://schemas.microsoft.com/office/drawing/2010/main" val="0"/>
+              </a:ext>
+            </a:extLst>
+          </a:blip>
+          <a:srcRect/>
+          <a:stretch>
+            <a:fillRect/>
+          </a:stretch>
+        </p:blipFill>
+        <p:spPr bwMode="auto">
+          <a:xfrm>
+            <a:off x="3774396" y="3782606"/>
+            <a:ext cx="2762250" cy="2762250"/>
+          </a:xfrm>
+          <a:prstGeom prst="rect">
+            <a:avLst/>
+          </a:prstGeom>
+          <a:ln w="88900" cap="sq" cmpd="thickThin">
+            <a:solidFill>
+              <a:srgbClr val="000000"/>
+            </a:solidFill>
+            <a:prstDash val="solid"/>
+            <a:miter lim="800000"/>
+          </a:ln>
+          <a:effectLst>
+            <a:innerShdw blurRad="76200">
+              <a:srgbClr val="000000"/>
+            </a:innerShdw>
+          </a:effectLst>
+          <a:extLst>
+            <a:ext uri="{909E8E84-426E-40DD-AFC4-6F175D3DCCD1}">
+              <a14:hiddenFill xmlns:a14="http://schemas.microsoft.com/office/drawing/2010/main">
+                <a:solidFill>
+                  <a:srgbClr val="FFFFFF"/>
+                </a:solidFill>
+              </a14:hiddenFill>
+            </a:ext>
+          </a:extLst>
+        </p:spPr>
+      </p:pic>
+      <p:pic>
+        <p:nvPicPr>
+          <p:cNvPr id="1036" name="Picture 12" descr="557 Top Secret File Stock Video Footage - 4K and HD Video Clips |  Shutterstock">
+            <a:extLst>
+              <a:ext uri="{FF2B5EF4-FFF2-40B4-BE49-F238E27FC236}">
+                <a16:creationId xmlns:a16="http://schemas.microsoft.com/office/drawing/2014/main" id="{0FEAFE36-AD0A-F531-6CEF-E1EF20FB3FF8}"/>
+              </a:ext>
+            </a:extLst>
+          </p:cNvPr>
+          <p:cNvPicPr>
+            <a:picLocks noChangeAspect="1" noChangeArrowheads="1"/>
+          </p:cNvPicPr>
+          <p:nvPr/>
+        </p:nvPicPr>
+        <p:blipFill>
+          <a:blip r:embed="rId8">
+            <a:extLst>
+              <a:ext uri="{28A0092B-C50C-407E-A947-70E740481C1C}">
+                <a14:useLocalDpi xmlns:a14="http://schemas.microsoft.com/office/drawing/2010/main" val="0"/>
+              </a:ext>
+            </a:extLst>
+          </a:blip>
+          <a:srcRect/>
+          <a:stretch>
+            <a:fillRect/>
+          </a:stretch>
+        </p:blipFill>
+        <p:spPr bwMode="auto">
+          <a:xfrm>
+            <a:off x="5235816" y="599238"/>
+            <a:ext cx="4067452" cy="2287942"/>
+          </a:xfrm>
+          <a:prstGeom prst="rect">
+            <a:avLst/>
+          </a:prstGeom>
+          <a:ln w="88900" cap="sq" cmpd="thickThin">
+            <a:solidFill>
+              <a:srgbClr val="000000"/>
+            </a:solidFill>
+            <a:prstDash val="solid"/>
+            <a:miter lim="800000"/>
+          </a:ln>
+          <a:effectLst>
+            <a:innerShdw blurRad="76200">
+              <a:srgbClr val="000000"/>
+            </a:innerShdw>
+          </a:effectLst>
+          <a:extLst>
+            <a:ext uri="{909E8E84-426E-40DD-AFC4-6F175D3DCCD1}">
+              <a14:hiddenFill xmlns:a14="http://schemas.microsoft.com/office/drawing/2010/main">
+                <a:solidFill>
+                  <a:srgbClr val="FFFFFF"/>
+                </a:solidFill>
+              </a14:hiddenFill>
+            </a:ext>
+          </a:extLst>
+        </p:spPr>
+      </p:pic>
+      <p:pic>
+        <p:nvPicPr>
+          <p:cNvPr id="1028" name="Picture 4" descr="Top Secret png download - 961*414 - Free Transparent Logo png Download. -  CleanPNG / KissPNG">
+            <a:extLst>
+              <a:ext uri="{FF2B5EF4-FFF2-40B4-BE49-F238E27FC236}">
+                <a16:creationId xmlns:a16="http://schemas.microsoft.com/office/drawing/2014/main" id="{3220D18A-8D8D-4664-DF4A-AB744E0F061F}"/>
+              </a:ext>
+            </a:extLst>
+          </p:cNvPr>
+          <p:cNvPicPr>
+            <a:picLocks noChangeAspect="1" noChangeArrowheads="1"/>
+          </p:cNvPicPr>
+          <p:nvPr/>
+        </p:nvPicPr>
+        <p:blipFill>
+          <a:blip r:embed="rId9">
+            <a:extLst>
+              <a:ext uri="{BEBA8EAE-BF5A-486C-A8C5-ECC9F3942E4B}">
+                <a14:imgProps xmlns:a14="http://schemas.microsoft.com/office/drawing/2010/main">
+                  <a14:imgLayer r:embed="rId10">
+                    <a14:imgEffect>
+                      <a14:backgroundRemoval t="8750" b="90000" l="1889" r="98667">
+                        <a14:foregroundMark x1="7889" y1="49500" x2="7889" y2="49500"/>
+                        <a14:foregroundMark x1="4889" y1="48000" x2="4889" y2="48000"/>
+                        <a14:foregroundMark x1="1889" y1="48500" x2="1889" y2="48500"/>
+                        <a14:foregroundMark x1="95333" y1="35500" x2="95333" y2="35500"/>
+                        <a14:foregroundMark x1="12333" y1="88500" x2="12333" y2="88500"/>
+                        <a14:foregroundMark x1="98667" y1="54750" x2="98667" y2="54750"/>
+                        <a14:foregroundMark x1="89111" y1="8750" x2="89111" y2="8750"/>
+                      </a14:backgroundRemoval>
+                    </a14:imgEffect>
+                  </a14:imgLayer>
+                </a14:imgProps>
+              </a:ext>
+              <a:ext uri="{28A0092B-C50C-407E-A947-70E740481C1C}">
+                <a14:useLocalDpi xmlns:a14="http://schemas.microsoft.com/office/drawing/2010/main" val="0"/>
+              </a:ext>
+            </a:extLst>
+          </a:blip>
+          <a:srcRect/>
+          <a:stretch>
+            <a:fillRect/>
+          </a:stretch>
+        </p:blipFill>
+        <p:spPr bwMode="auto">
+          <a:xfrm rot="21014329">
+            <a:off x="7235843" y="1252680"/>
+            <a:ext cx="4809761" cy="2137672"/>
+          </a:xfrm>
+          <a:prstGeom prst="rect">
+            <a:avLst/>
+          </a:prstGeom>
+          <a:noFill/>
+          <a:extLst>
+            <a:ext uri="{909E8E84-426E-40DD-AFC4-6F175D3DCCD1}">
+              <a14:hiddenFill xmlns:a14="http://schemas.microsoft.com/office/drawing/2010/main">
+                <a:solidFill>
+                  <a:srgbClr val="FFFFFF"/>
+                </a:solidFill>
+              </a14:hiddenFill>
+            </a:ext>
+          </a:extLst>
+        </p:spPr>
+      </p:pic>
+      <p:sp>
+        <p:nvSpPr>
+          <p:cNvPr id="2" name="Cím 1">
+            <a:extLst>
+              <a:ext uri="{FF2B5EF4-FFF2-40B4-BE49-F238E27FC236}">
+                <a16:creationId xmlns:a16="http://schemas.microsoft.com/office/drawing/2014/main" id="{74113AE9-418D-C5B0-43DD-8652A9BB2B7A}"/>
+              </a:ext>
+            </a:extLst>
+          </p:cNvPr>
+          <p:cNvSpPr txBox="1">
+            <a:spLocks/>
+          </p:cNvSpPr>
+          <p:nvPr/>
+        </p:nvSpPr>
+        <p:spPr>
+          <a:xfrm>
+            <a:off x="1524000" y="2587214"/>
+            <a:ext cx="9144000" cy="1872674"/>
+          </a:xfrm>
+          <a:prstGeom prst="rect">
+            <a:avLst/>
+          </a:prstGeom>
+          <a:solidFill>
+            <a:schemeClr val="tx1">
+              <a:lumMod val="85000"/>
+              <a:lumOff val="15000"/>
+              <a:alpha val="89000"/>
+            </a:schemeClr>
+          </a:solidFill>
+          <a:effectLst>
+            <a:softEdge rad="0"/>
+          </a:effectLst>
+        </p:spPr>
+        <p:txBody>
+          <a:bodyPr anchor="ctr">
+            <a:normAutofit/>
+          </a:bodyPr>
+          <a:lstStyle>
+            <a:lvl1pPr algn="l" defTabSz="914400" rtl="0" eaLnBrk="1" latinLnBrk="0" hangingPunct="1">
+              <a:lnSpc>
+                <a:spcPct val="90000"/>
+              </a:lnSpc>
+              <a:spcBef>
+                <a:spcPct val="0"/>
+              </a:spcBef>
+              <a:buNone/>
+              <a:defRPr sz="4400" kern="1200">
+                <a:solidFill>
+                  <a:schemeClr val="tx1"/>
+                </a:solidFill>
+                <a:latin typeface="+mj-lt"/>
+                <a:ea typeface="+mj-ea"/>
+                <a:cs typeface="+mj-cs"/>
+              </a:defRPr>
+            </a:lvl1pPr>
+          </a:lstStyle>
+          <a:p>
+            <a:pPr algn="ctr"/>
+            <a:r>
+              <a:rPr lang="hu-HU" sz="7200" b="1" dirty="0">
+                <a:solidFill>
+                  <a:schemeClr val="bg1"/>
+                </a:solidFill>
+              </a:rPr>
+              <a:t>Köszönjük a figyelmet!</a:t>
+            </a:r>
+          </a:p>
+        </p:txBody>
+      </p:sp>
+    </p:spTree>
+    <p:extLst>
+      <p:ext uri="{BB962C8B-B14F-4D97-AF65-F5344CB8AC3E}">
+        <p14:creationId xmlns:p14="http://schemas.microsoft.com/office/powerpoint/2010/main" val="876529301"/>
+      </p:ext>
+    </p:extLst>
+  </p:cSld>
+  <p:clrMapOvr>
+    <a:masterClrMapping/>
+  </p:clrMapOvr>
+</p:sld>
+</file>
+
+<file path=ppt/slides/slide6.xml><?xml version="1.0" encoding="utf-8"?>
+<p:sld xmlns:a="http://schemas.openxmlformats.org/drawingml/2006/main" xmlns:r="http://schemas.openxmlformats.org/officeDocument/2006/relationships" xmlns:p="http://schemas.openxmlformats.org/presentationml/2006/main">
+  <p:cSld>
+    <p:spTree>
+      <p:nvGrpSpPr>
+        <p:cNvPr id="1" name=""/>
+        <p:cNvGrpSpPr/>
+        <p:nvPr/>
+      </p:nvGrpSpPr>
+      <p:grpSpPr>
+        <a:xfrm>
+          <a:off x="0" y="0"/>
+          <a:ext cx="0" cy="0"/>
+          <a:chOff x="0" y="0"/>
+          <a:chExt cx="0" cy="0"/>
+        </a:xfrm>
+      </p:grpSpPr>
+      <p:pic>
+        <p:nvPicPr>
+          <p:cNvPr id="2" name="Picture 6" descr="George W. Bush - Wikipedia">
+            <a:extLst>
+              <a:ext uri="{FF2B5EF4-FFF2-40B4-BE49-F238E27FC236}">
+                <a16:creationId xmlns:a16="http://schemas.microsoft.com/office/drawing/2014/main" id="{314867F0-BF09-463B-B0B3-CD0428689F78}"/>
+              </a:ext>
+            </a:extLst>
+          </p:cNvPr>
+          <p:cNvPicPr>
+            <a:picLocks noChangeAspect="1" noChangeArrowheads="1"/>
+          </p:cNvPicPr>
+          <p:nvPr/>
+        </p:nvPicPr>
+        <p:blipFill>
+          <a:blip r:embed="rId2">
+            <a:extLst>
+              <a:ext uri="{BEBA8EAE-BF5A-486C-A8C5-ECC9F3942E4B}">
+                <a14:imgProps xmlns:a14="http://schemas.microsoft.com/office/drawing/2010/main">
+                  <a14:imgLayer r:embed="rId3">
+                    <a14:imgEffect>
+                      <a14:saturation sat="0"/>
+                    </a14:imgEffect>
+                  </a14:imgLayer>
+                </a14:imgProps>
+              </a:ext>
+              <a:ext uri="{28A0092B-C50C-407E-A947-70E740481C1C}">
+                <a14:useLocalDpi xmlns:a14="http://schemas.microsoft.com/office/drawing/2010/main" val="0"/>
+              </a:ext>
+            </a:extLst>
+          </a:blip>
+          <a:srcRect/>
+          <a:stretch>
+            <a:fillRect/>
+          </a:stretch>
+        </p:blipFill>
+        <p:spPr bwMode="auto">
+          <a:xfrm rot="511266">
+            <a:off x="839321" y="3934517"/>
+            <a:ext cx="1948284" cy="2578611"/>
+          </a:xfrm>
+          <a:prstGeom prst="rect">
+            <a:avLst/>
+          </a:prstGeom>
+          <a:noFill/>
+          <a:ln w="88900" cap="sq" cmpd="thickThin">
+            <a:solidFill>
+              <a:srgbClr val="000000"/>
+            </a:solidFill>
+            <a:prstDash val="solid"/>
+            <a:miter lim="800000"/>
+          </a:ln>
+          <a:effectLst>
+            <a:innerShdw blurRad="76200">
+              <a:srgbClr val="000000"/>
+            </a:innerShdw>
+          </a:effectLst>
+        </p:spPr>
+      </p:pic>
+      <p:pic>
+        <p:nvPicPr>
+          <p:cNvPr id="10" name="Kép 9">
+            <a:extLst>
+              <a:ext uri="{FF2B5EF4-FFF2-40B4-BE49-F238E27FC236}">
+                <a16:creationId xmlns:a16="http://schemas.microsoft.com/office/drawing/2014/main" id="{D8CF1076-D54D-4F75-AAD5-D6E6BDDA8D18}"/>
+              </a:ext>
+            </a:extLst>
+          </p:cNvPr>
+          <p:cNvPicPr>
+            <a:picLocks noChangeAspect="1"/>
+          </p:cNvPicPr>
+          <p:nvPr/>
+        </p:nvPicPr>
+        <p:blipFill>
+          <a:blip r:embed="rId4">
+            <a:extLst>
+              <a:ext uri="{BEBA8EAE-BF5A-486C-A8C5-ECC9F3942E4B}">
+                <a14:imgProps xmlns:a14="http://schemas.microsoft.com/office/drawing/2010/main">
+                  <a14:imgLayer r:embed="rId5">
+                    <a14:imgEffect>
+                      <a14:saturation sat="0"/>
+                    </a14:imgEffect>
+                  </a14:imgLayer>
+                </a14:imgProps>
+              </a:ext>
+              <a:ext uri="{28A0092B-C50C-407E-A947-70E740481C1C}">
+                <a14:useLocalDpi xmlns:a14="http://schemas.microsoft.com/office/drawing/2010/main" val="0"/>
+              </a:ext>
+            </a:extLst>
+          </a:blip>
+          <a:stretch>
+            <a:fillRect/>
+          </a:stretch>
+        </p:blipFill>
+        <p:spPr>
+          <a:xfrm>
+            <a:off x="2816972" y="2603715"/>
+            <a:ext cx="5102555" cy="4039523"/>
+          </a:xfrm>
+          <a:prstGeom prst="rect">
+            <a:avLst/>
+          </a:prstGeom>
+          <a:ln w="88900" cap="sq" cmpd="thickThin">
+            <a:solidFill>
+              <a:srgbClr val="000000"/>
+            </a:solidFill>
+            <a:prstDash val="solid"/>
+            <a:miter lim="800000"/>
+          </a:ln>
+          <a:effectLst>
+            <a:innerShdw blurRad="76200">
+              <a:srgbClr val="000000"/>
+            </a:innerShdw>
+          </a:effectLst>
+        </p:spPr>
+      </p:pic>
+      <p:pic>
+        <p:nvPicPr>
+          <p:cNvPr id="3" name="Picture 12" descr="557 Top Secret File Stock Video Footage - 4K and HD Video Clips |  Shutterstock">
+            <a:extLst>
+              <a:ext uri="{FF2B5EF4-FFF2-40B4-BE49-F238E27FC236}">
+                <a16:creationId xmlns:a16="http://schemas.microsoft.com/office/drawing/2014/main" id="{99629522-911E-4456-8494-DFC71F7FAEA3}"/>
+              </a:ext>
+            </a:extLst>
+          </p:cNvPr>
+          <p:cNvPicPr>
+            <a:picLocks noChangeAspect="1" noChangeArrowheads="1"/>
+          </p:cNvPicPr>
+          <p:nvPr/>
+        </p:nvPicPr>
+        <p:blipFill>
+          <a:blip r:embed="rId6">
+            <a:extLst>
+              <a:ext uri="{28A0092B-C50C-407E-A947-70E740481C1C}">
+                <a14:useLocalDpi xmlns:a14="http://schemas.microsoft.com/office/drawing/2010/main" val="0"/>
+              </a:ext>
+            </a:extLst>
+          </a:blip>
+          <a:srcRect/>
+          <a:stretch>
+            <a:fillRect/>
+          </a:stretch>
+        </p:blipFill>
+        <p:spPr bwMode="auto">
+          <a:xfrm>
+            <a:off x="6434301" y="554849"/>
+            <a:ext cx="4067452" cy="2287942"/>
+          </a:xfrm>
+          <a:prstGeom prst="rect">
+            <a:avLst/>
+          </a:prstGeom>
+          <a:ln w="88900" cap="sq" cmpd="thickThin">
+            <a:solidFill>
+              <a:srgbClr val="000000"/>
+            </a:solidFill>
+            <a:prstDash val="solid"/>
+            <a:miter lim="800000"/>
+          </a:ln>
+          <a:effectLst>
+            <a:innerShdw blurRad="76200">
+              <a:srgbClr val="000000"/>
+            </a:innerShdw>
+          </a:effectLst>
+          <a:extLst>
+            <a:ext uri="{909E8E84-426E-40DD-AFC4-6F175D3DCCD1}">
+              <a14:hiddenFill xmlns:a14="http://schemas.microsoft.com/office/drawing/2010/main">
+                <a:solidFill>
+                  <a:srgbClr val="FFFFFF"/>
+                </a:solidFill>
+              </a14:hiddenFill>
+            </a:ext>
+          </a:extLst>
+        </p:spPr>
+      </p:pic>
+      <p:pic>
+        <p:nvPicPr>
+          <p:cNvPr id="6" name="Kép 5">
+            <a:extLst>
+              <a:ext uri="{FF2B5EF4-FFF2-40B4-BE49-F238E27FC236}">
+                <a16:creationId xmlns:a16="http://schemas.microsoft.com/office/drawing/2014/main" id="{2F459440-9511-49CF-AA61-7630B1AF4E81}"/>
+              </a:ext>
+            </a:extLst>
+          </p:cNvPr>
+          <p:cNvPicPr>
+            <a:picLocks noChangeAspect="1"/>
+          </p:cNvPicPr>
+          <p:nvPr/>
+        </p:nvPicPr>
+        <p:blipFill>
+          <a:blip r:embed="rId7">
+            <a:extLst>
+              <a:ext uri="{BEBA8EAE-BF5A-486C-A8C5-ECC9F3942E4B}">
+                <a14:imgProps xmlns:a14="http://schemas.microsoft.com/office/drawing/2010/main">
+                  <a14:imgLayer r:embed="rId8">
+                    <a14:imgEffect>
+                      <a14:saturation sat="0"/>
+                    </a14:imgEffect>
+                  </a14:imgLayer>
+                </a14:imgProps>
+              </a:ext>
+              <a:ext uri="{28A0092B-C50C-407E-A947-70E740481C1C}">
+                <a14:useLocalDpi xmlns:a14="http://schemas.microsoft.com/office/drawing/2010/main" val="0"/>
+              </a:ext>
+            </a:extLst>
+          </a:blip>
+          <a:stretch>
+            <a:fillRect/>
+          </a:stretch>
+        </p:blipFill>
+        <p:spPr>
+          <a:xfrm rot="21014936">
+            <a:off x="784229" y="337587"/>
+            <a:ext cx="3915856" cy="2936892"/>
+          </a:xfrm>
+          <a:prstGeom prst="rect">
+            <a:avLst/>
+          </a:prstGeom>
+          <a:ln w="88900" cap="sq" cmpd="thickThin">
+            <a:solidFill>
+              <a:srgbClr val="000000"/>
+            </a:solidFill>
+            <a:prstDash val="solid"/>
+            <a:miter lim="800000"/>
+          </a:ln>
+          <a:effectLst>
+            <a:innerShdw blurRad="76200">
+              <a:srgbClr val="000000"/>
+            </a:innerShdw>
+          </a:effectLst>
+        </p:spPr>
+      </p:pic>
+      <p:pic>
+        <p:nvPicPr>
+          <p:cNvPr id="8" name="Kép 7">
+            <a:extLst>
+              <a:ext uri="{FF2B5EF4-FFF2-40B4-BE49-F238E27FC236}">
+                <a16:creationId xmlns:a16="http://schemas.microsoft.com/office/drawing/2014/main" id="{1F84567E-A7AE-46FB-899F-D1B494275093}"/>
+              </a:ext>
+            </a:extLst>
+          </p:cNvPr>
+          <p:cNvPicPr>
+            <a:picLocks noChangeAspect="1"/>
+          </p:cNvPicPr>
+          <p:nvPr/>
+        </p:nvPicPr>
+        <p:blipFill>
+          <a:blip r:embed="rId9">
+            <a:extLst>
+              <a:ext uri="{BEBA8EAE-BF5A-486C-A8C5-ECC9F3942E4B}">
+                <a14:imgProps xmlns:a14="http://schemas.microsoft.com/office/drawing/2010/main">
+                  <a14:imgLayer r:embed="rId10">
+                    <a14:imgEffect>
+                      <a14:saturation sat="0"/>
+                    </a14:imgEffect>
+                  </a14:imgLayer>
+                </a14:imgProps>
+              </a:ext>
+              <a:ext uri="{28A0092B-C50C-407E-A947-70E740481C1C}">
+                <a14:useLocalDpi xmlns:a14="http://schemas.microsoft.com/office/drawing/2010/main" val="0"/>
+              </a:ext>
+            </a:extLst>
+          </a:blip>
+          <a:stretch>
+            <a:fillRect/>
+          </a:stretch>
+        </p:blipFill>
+        <p:spPr>
+          <a:xfrm>
+            <a:off x="6938549" y="3864499"/>
+            <a:ext cx="4833151" cy="2718647"/>
+          </a:xfrm>
+          <a:prstGeom prst="rect">
+            <a:avLst/>
+          </a:prstGeom>
+          <a:ln w="88900" cap="sq" cmpd="thickThin">
+            <a:solidFill>
+              <a:srgbClr val="000000"/>
+            </a:solidFill>
+            <a:prstDash val="solid"/>
+            <a:miter lim="800000"/>
+          </a:ln>
+          <a:effectLst>
+            <a:innerShdw blurRad="76200">
+              <a:srgbClr val="000000"/>
+            </a:innerShdw>
+          </a:effectLst>
+        </p:spPr>
+      </p:pic>
+      <p:pic>
+        <p:nvPicPr>
+          <p:cNvPr id="4" name="Picture 4" descr="Top Secret png download - 961*414 - Free Transparent Logo png Download. -  CleanPNG / KissPNG">
+            <a:extLst>
+              <a:ext uri="{FF2B5EF4-FFF2-40B4-BE49-F238E27FC236}">
+                <a16:creationId xmlns:a16="http://schemas.microsoft.com/office/drawing/2014/main" id="{11336A2D-8EFC-4C4B-8250-1C70B9D44E34}"/>
+              </a:ext>
+            </a:extLst>
+          </p:cNvPr>
+          <p:cNvPicPr>
+            <a:picLocks noChangeAspect="1" noChangeArrowheads="1"/>
+          </p:cNvPicPr>
+          <p:nvPr/>
+        </p:nvPicPr>
+        <p:blipFill>
+          <a:blip r:embed="rId11">
+            <a:extLst>
+              <a:ext uri="{BEBA8EAE-BF5A-486C-A8C5-ECC9F3942E4B}">
+                <a14:imgProps xmlns:a14="http://schemas.microsoft.com/office/drawing/2010/main">
+                  <a14:imgLayer r:embed="rId12">
+                    <a14:imgEffect>
+                      <a14:backgroundRemoval t="8750" b="90000" l="1889" r="98667">
+                        <a14:foregroundMark x1="7889" y1="49500" x2="7889" y2="49500"/>
+                        <a14:foregroundMark x1="4889" y1="48000" x2="4889" y2="48000"/>
+                        <a14:foregroundMark x1="1889" y1="48500" x2="1889" y2="48500"/>
+                        <a14:foregroundMark x1="95333" y1="35500" x2="95333" y2="35500"/>
+                        <a14:foregroundMark x1="12333" y1="88500" x2="12333" y2="88500"/>
+                        <a14:foregroundMark x1="98667" y1="54750" x2="98667" y2="54750"/>
+                        <a14:foregroundMark x1="89111" y1="8750" x2="89111" y2="8750"/>
+                      </a14:backgroundRemoval>
+                    </a14:imgEffect>
+                  </a14:imgLayer>
+                </a14:imgProps>
+              </a:ext>
+              <a:ext uri="{28A0092B-C50C-407E-A947-70E740481C1C}">
+                <a14:useLocalDpi xmlns:a14="http://schemas.microsoft.com/office/drawing/2010/main" val="0"/>
+              </a:ext>
+            </a:extLst>
+          </a:blip>
+          <a:srcRect/>
+          <a:stretch>
+            <a:fillRect/>
+          </a:stretch>
+        </p:blipFill>
+        <p:spPr bwMode="auto">
+          <a:xfrm rot="21014329">
+            <a:off x="7320069" y="1771230"/>
+            <a:ext cx="4809761" cy="2137672"/>
+          </a:xfrm>
+          <a:prstGeom prst="rect">
+            <a:avLst/>
+          </a:prstGeom>
+          <a:noFill/>
+          <a:extLst>
+            <a:ext uri="{909E8E84-426E-40DD-AFC4-6F175D3DCCD1}">
+              <a14:hiddenFill xmlns:a14="http://schemas.microsoft.com/office/drawing/2010/main">
+                <a:solidFill>
+                  <a:srgbClr val="FFFFFF"/>
+                </a:solidFill>
+              </a14:hiddenFill>
+            </a:ext>
+          </a:extLst>
+        </p:spPr>
+      </p:pic>
+    </p:spTree>
+    <p:extLst>
+      <p:ext uri="{BB962C8B-B14F-4D97-AF65-F5344CB8AC3E}">
+        <p14:creationId xmlns:p14="http://schemas.microsoft.com/office/powerpoint/2010/main" val="1023092829"/>
       </p:ext>
     </p:extLst>
   </p:cSld>
